--- a/soutenance_p4.pptx
+++ b/soutenance_p4.pptx
@@ -11,6 +11,7 @@
     <p:sldId id="260" r:id="rId5"/>
     <p:sldId id="259" r:id="rId6"/>
     <p:sldId id="261" r:id="rId7"/>
+    <p:sldId id="262" r:id="rId8"/>
   </p:sldIdLst>
   <p:sldSz cx="12192000" cy="6858000"/>
   <p:notesSz cx="6858000" cy="9144000"/>
@@ -109,6 +110,11 @@
       </a:defRPr>
     </a:lvl9pPr>
   </p:defaultTextStyle>
+  <p:extLst>
+    <p:ext uri="{EFAFB233-063F-42B5-8137-9DF3F51BA10A}">
+      <p15:sldGuideLst xmlns:p15="http://schemas.microsoft.com/office/powerpoint/2012/main"/>
+    </p:ext>
+  </p:extLst>
 </p:presentation>
 </file>
 
@@ -6075,6 +6081,100 @@
   <p:clrMapOvr>
     <a:masterClrMapping/>
   </p:clrMapOvr>
+  <p:timing>
+    <p:tnLst>
+      <p:par>
+        <p:cTn id="1" dur="indefinite" restart="never" nodeType="tmRoot">
+          <p:childTnLst>
+            <p:seq concurrent="1" nextAc="seek">
+              <p:cTn id="2" dur="indefinite" nodeType="mainSeq">
+                <p:childTnLst>
+                  <p:par>
+                    <p:cTn id="3" fill="hold">
+                      <p:stCondLst>
+                        <p:cond delay="indefinite"/>
+                      </p:stCondLst>
+                      <p:childTnLst>
+                        <p:par>
+                          <p:cTn id="4" fill="hold">
+                            <p:stCondLst>
+                              <p:cond delay="0"/>
+                            </p:stCondLst>
+                            <p:childTnLst>
+                              <p:par>
+                                <p:cTn id="5" presetID="10" presetClass="entr" presetSubtype="0" fill="hold" grpId="0" nodeType="clickEffect">
+                                  <p:stCondLst>
+                                    <p:cond delay="0"/>
+                                  </p:stCondLst>
+                                  <p:childTnLst>
+                                    <p:set>
+                                      <p:cBhvr>
+                                        <p:cTn id="6" dur="1" fill="hold">
+                                          <p:stCondLst>
+                                            <p:cond delay="0"/>
+                                          </p:stCondLst>
+                                        </p:cTn>
+                                        <p:tgtEl>
+                                          <p:spTgt spid="3">
+                                            <p:txEl>
+                                              <p:pRg st="0" end="0"/>
+                                            </p:txEl>
+                                          </p:spTgt>
+                                        </p:tgtEl>
+                                        <p:attrNameLst>
+                                          <p:attrName>style.visibility</p:attrName>
+                                        </p:attrNameLst>
+                                      </p:cBhvr>
+                                      <p:to>
+                                        <p:strVal val="visible"/>
+                                      </p:to>
+                                    </p:set>
+                                    <p:animEffect transition="in" filter="fade">
+                                      <p:cBhvr>
+                                        <p:cTn id="7" dur="500"/>
+                                        <p:tgtEl>
+                                          <p:spTgt spid="3">
+                                            <p:txEl>
+                                              <p:pRg st="0" end="0"/>
+                                            </p:txEl>
+                                          </p:spTgt>
+                                        </p:tgtEl>
+                                      </p:cBhvr>
+                                    </p:animEffect>
+                                  </p:childTnLst>
+                                </p:cTn>
+                              </p:par>
+                            </p:childTnLst>
+                          </p:cTn>
+                        </p:par>
+                      </p:childTnLst>
+                    </p:cTn>
+                  </p:par>
+                </p:childTnLst>
+              </p:cTn>
+              <p:prevCondLst>
+                <p:cond evt="onPrev" delay="0">
+                  <p:tgtEl>
+                    <p:sldTgt/>
+                  </p:tgtEl>
+                </p:cond>
+              </p:prevCondLst>
+              <p:nextCondLst>
+                <p:cond evt="onNext" delay="0">
+                  <p:tgtEl>
+                    <p:sldTgt/>
+                  </p:tgtEl>
+                </p:cond>
+              </p:nextCondLst>
+            </p:seq>
+          </p:childTnLst>
+        </p:cTn>
+      </p:par>
+    </p:tnLst>
+    <p:bldLst>
+      <p:bldP spid="3" grpId="0" build="p"/>
+    </p:bldLst>
+  </p:timing>
 </p:sld>
 </file>
 
@@ -6181,6 +6281,247 @@
   <p:clrMapOvr>
     <a:masterClrMapping/>
   </p:clrMapOvr>
+  <p:timing>
+    <p:tnLst>
+      <p:par>
+        <p:cTn id="1" dur="indefinite" restart="never" nodeType="tmRoot">
+          <p:childTnLst>
+            <p:seq concurrent="1" nextAc="seek">
+              <p:cTn id="2" dur="indefinite" nodeType="mainSeq">
+                <p:childTnLst>
+                  <p:par>
+                    <p:cTn id="3" fill="hold">
+                      <p:stCondLst>
+                        <p:cond delay="indefinite"/>
+                      </p:stCondLst>
+                      <p:childTnLst>
+                        <p:par>
+                          <p:cTn id="4" fill="hold">
+                            <p:stCondLst>
+                              <p:cond delay="0"/>
+                            </p:stCondLst>
+                            <p:childTnLst>
+                              <p:par>
+                                <p:cTn id="5" presetID="10" presetClass="entr" presetSubtype="0" fill="hold" grpId="0" nodeType="clickEffect">
+                                  <p:stCondLst>
+                                    <p:cond delay="0"/>
+                                  </p:stCondLst>
+                                  <p:childTnLst>
+                                    <p:set>
+                                      <p:cBhvr>
+                                        <p:cTn id="6" dur="1" fill="hold">
+                                          <p:stCondLst>
+                                            <p:cond delay="0"/>
+                                          </p:stCondLst>
+                                        </p:cTn>
+                                        <p:tgtEl>
+                                          <p:spTgt spid="3">
+                                            <p:txEl>
+                                              <p:pRg st="0" end="0"/>
+                                            </p:txEl>
+                                          </p:spTgt>
+                                        </p:tgtEl>
+                                        <p:attrNameLst>
+                                          <p:attrName>style.visibility</p:attrName>
+                                        </p:attrNameLst>
+                                      </p:cBhvr>
+                                      <p:to>
+                                        <p:strVal val="visible"/>
+                                      </p:to>
+                                    </p:set>
+                                    <p:animEffect transition="in" filter="fade">
+                                      <p:cBhvr>
+                                        <p:cTn id="7" dur="500"/>
+                                        <p:tgtEl>
+                                          <p:spTgt spid="3">
+                                            <p:txEl>
+                                              <p:pRg st="0" end="0"/>
+                                            </p:txEl>
+                                          </p:spTgt>
+                                        </p:tgtEl>
+                                      </p:cBhvr>
+                                    </p:animEffect>
+                                  </p:childTnLst>
+                                </p:cTn>
+                              </p:par>
+                            </p:childTnLst>
+                          </p:cTn>
+                        </p:par>
+                      </p:childTnLst>
+                    </p:cTn>
+                  </p:par>
+                  <p:par>
+                    <p:cTn id="8" fill="hold">
+                      <p:stCondLst>
+                        <p:cond delay="indefinite"/>
+                      </p:stCondLst>
+                      <p:childTnLst>
+                        <p:par>
+                          <p:cTn id="9" fill="hold">
+                            <p:stCondLst>
+                              <p:cond delay="0"/>
+                            </p:stCondLst>
+                            <p:childTnLst>
+                              <p:par>
+                                <p:cTn id="10" presetID="10" presetClass="entr" presetSubtype="0" fill="hold" grpId="0" nodeType="clickEffect">
+                                  <p:stCondLst>
+                                    <p:cond delay="0"/>
+                                  </p:stCondLst>
+                                  <p:childTnLst>
+                                    <p:set>
+                                      <p:cBhvr>
+                                        <p:cTn id="11" dur="1" fill="hold">
+                                          <p:stCondLst>
+                                            <p:cond delay="0"/>
+                                          </p:stCondLst>
+                                        </p:cTn>
+                                        <p:tgtEl>
+                                          <p:spTgt spid="3">
+                                            <p:txEl>
+                                              <p:pRg st="1" end="1"/>
+                                            </p:txEl>
+                                          </p:spTgt>
+                                        </p:tgtEl>
+                                        <p:attrNameLst>
+                                          <p:attrName>style.visibility</p:attrName>
+                                        </p:attrNameLst>
+                                      </p:cBhvr>
+                                      <p:to>
+                                        <p:strVal val="visible"/>
+                                      </p:to>
+                                    </p:set>
+                                    <p:animEffect transition="in" filter="fade">
+                                      <p:cBhvr>
+                                        <p:cTn id="12" dur="500"/>
+                                        <p:tgtEl>
+                                          <p:spTgt spid="3">
+                                            <p:txEl>
+                                              <p:pRg st="1" end="1"/>
+                                            </p:txEl>
+                                          </p:spTgt>
+                                        </p:tgtEl>
+                                      </p:cBhvr>
+                                    </p:animEffect>
+                                  </p:childTnLst>
+                                </p:cTn>
+                              </p:par>
+                              <p:par>
+                                <p:cTn id="13" presetID="10" presetClass="entr" presetSubtype="0" fill="hold" grpId="0" nodeType="withEffect">
+                                  <p:stCondLst>
+                                    <p:cond delay="0"/>
+                                  </p:stCondLst>
+                                  <p:childTnLst>
+                                    <p:set>
+                                      <p:cBhvr>
+                                        <p:cTn id="14" dur="1" fill="hold">
+                                          <p:stCondLst>
+                                            <p:cond delay="0"/>
+                                          </p:stCondLst>
+                                        </p:cTn>
+                                        <p:tgtEl>
+                                          <p:spTgt spid="3">
+                                            <p:txEl>
+                                              <p:pRg st="2" end="2"/>
+                                            </p:txEl>
+                                          </p:spTgt>
+                                        </p:tgtEl>
+                                        <p:attrNameLst>
+                                          <p:attrName>style.visibility</p:attrName>
+                                        </p:attrNameLst>
+                                      </p:cBhvr>
+                                      <p:to>
+                                        <p:strVal val="visible"/>
+                                      </p:to>
+                                    </p:set>
+                                    <p:animEffect transition="in" filter="fade">
+                                      <p:cBhvr>
+                                        <p:cTn id="15" dur="500"/>
+                                        <p:tgtEl>
+                                          <p:spTgt spid="3">
+                                            <p:txEl>
+                                              <p:pRg st="2" end="2"/>
+                                            </p:txEl>
+                                          </p:spTgt>
+                                        </p:tgtEl>
+                                      </p:cBhvr>
+                                    </p:animEffect>
+                                  </p:childTnLst>
+                                </p:cTn>
+                              </p:par>
+                              <p:par>
+                                <p:cTn id="16" presetID="10" presetClass="entr" presetSubtype="0" fill="hold" grpId="0" nodeType="withEffect">
+                                  <p:stCondLst>
+                                    <p:cond delay="0"/>
+                                  </p:stCondLst>
+                                  <p:childTnLst>
+                                    <p:set>
+                                      <p:cBhvr>
+                                        <p:cTn id="17" dur="1" fill="hold">
+                                          <p:stCondLst>
+                                            <p:cond delay="0"/>
+                                          </p:stCondLst>
+                                        </p:cTn>
+                                        <p:tgtEl>
+                                          <p:spTgt spid="3">
+                                            <p:txEl>
+                                              <p:pRg st="3" end="3"/>
+                                            </p:txEl>
+                                          </p:spTgt>
+                                        </p:tgtEl>
+                                        <p:attrNameLst>
+                                          <p:attrName>style.visibility</p:attrName>
+                                        </p:attrNameLst>
+                                      </p:cBhvr>
+                                      <p:to>
+                                        <p:strVal val="visible"/>
+                                      </p:to>
+                                    </p:set>
+                                    <p:animEffect transition="in" filter="fade">
+                                      <p:cBhvr>
+                                        <p:cTn id="18" dur="500"/>
+                                        <p:tgtEl>
+                                          <p:spTgt spid="3">
+                                            <p:txEl>
+                                              <p:pRg st="3" end="3"/>
+                                            </p:txEl>
+                                          </p:spTgt>
+                                        </p:tgtEl>
+                                      </p:cBhvr>
+                                    </p:animEffect>
+                                  </p:childTnLst>
+                                </p:cTn>
+                              </p:par>
+                            </p:childTnLst>
+                          </p:cTn>
+                        </p:par>
+                      </p:childTnLst>
+                    </p:cTn>
+                  </p:par>
+                </p:childTnLst>
+              </p:cTn>
+              <p:prevCondLst>
+                <p:cond evt="onPrev" delay="0">
+                  <p:tgtEl>
+                    <p:sldTgt/>
+                  </p:tgtEl>
+                </p:cond>
+              </p:prevCondLst>
+              <p:nextCondLst>
+                <p:cond evt="onNext" delay="0">
+                  <p:tgtEl>
+                    <p:sldTgt/>
+                  </p:tgtEl>
+                </p:cond>
+              </p:nextCondLst>
+            </p:seq>
+          </p:childTnLst>
+        </p:cTn>
+      </p:par>
+    </p:tnLst>
+    <p:bldLst>
+      <p:bldP spid="3" grpId="0" uiExpand="1" build="p"/>
+    </p:bldLst>
+  </p:timing>
 </p:sld>
 </file>
 
@@ -6288,6 +6629,229 @@
   <p:clrMapOvr>
     <a:masterClrMapping/>
   </p:clrMapOvr>
+  <p:timing>
+    <p:tnLst>
+      <p:par>
+        <p:cTn id="1" dur="indefinite" restart="never" nodeType="tmRoot">
+          <p:childTnLst>
+            <p:seq concurrent="1" nextAc="seek">
+              <p:cTn id="2" dur="indefinite" nodeType="mainSeq">
+                <p:childTnLst>
+                  <p:par>
+                    <p:cTn id="3" fill="hold">
+                      <p:stCondLst>
+                        <p:cond delay="indefinite"/>
+                      </p:stCondLst>
+                      <p:childTnLst>
+                        <p:par>
+                          <p:cTn id="4" fill="hold">
+                            <p:stCondLst>
+                              <p:cond delay="0"/>
+                            </p:stCondLst>
+                            <p:childTnLst>
+                              <p:par>
+                                <p:cTn id="5" presetID="10" presetClass="entr" presetSubtype="0" fill="hold" grpId="0" nodeType="clickEffect">
+                                  <p:stCondLst>
+                                    <p:cond delay="0"/>
+                                  </p:stCondLst>
+                                  <p:childTnLst>
+                                    <p:set>
+                                      <p:cBhvr>
+                                        <p:cTn id="6" dur="1" fill="hold">
+                                          <p:stCondLst>
+                                            <p:cond delay="0"/>
+                                          </p:stCondLst>
+                                        </p:cTn>
+                                        <p:tgtEl>
+                                          <p:spTgt spid="3">
+                                            <p:txEl>
+                                              <p:pRg st="0" end="0"/>
+                                            </p:txEl>
+                                          </p:spTgt>
+                                        </p:tgtEl>
+                                        <p:attrNameLst>
+                                          <p:attrName>style.visibility</p:attrName>
+                                        </p:attrNameLst>
+                                      </p:cBhvr>
+                                      <p:to>
+                                        <p:strVal val="visible"/>
+                                      </p:to>
+                                    </p:set>
+                                    <p:animEffect transition="in" filter="fade">
+                                      <p:cBhvr>
+                                        <p:cTn id="7" dur="500"/>
+                                        <p:tgtEl>
+                                          <p:spTgt spid="3">
+                                            <p:txEl>
+                                              <p:pRg st="0" end="0"/>
+                                            </p:txEl>
+                                          </p:spTgt>
+                                        </p:tgtEl>
+                                      </p:cBhvr>
+                                    </p:animEffect>
+                                  </p:childTnLst>
+                                </p:cTn>
+                              </p:par>
+                              <p:par>
+                                <p:cTn id="8" presetID="10" presetClass="entr" presetSubtype="0" fill="hold" grpId="0" nodeType="withEffect">
+                                  <p:stCondLst>
+                                    <p:cond delay="0"/>
+                                  </p:stCondLst>
+                                  <p:childTnLst>
+                                    <p:set>
+                                      <p:cBhvr>
+                                        <p:cTn id="9" dur="1" fill="hold">
+                                          <p:stCondLst>
+                                            <p:cond delay="0"/>
+                                          </p:stCondLst>
+                                        </p:cTn>
+                                        <p:tgtEl>
+                                          <p:spTgt spid="3">
+                                            <p:txEl>
+                                              <p:pRg st="1" end="1"/>
+                                            </p:txEl>
+                                          </p:spTgt>
+                                        </p:tgtEl>
+                                        <p:attrNameLst>
+                                          <p:attrName>style.visibility</p:attrName>
+                                        </p:attrNameLst>
+                                      </p:cBhvr>
+                                      <p:to>
+                                        <p:strVal val="visible"/>
+                                      </p:to>
+                                    </p:set>
+                                    <p:animEffect transition="in" filter="fade">
+                                      <p:cBhvr>
+                                        <p:cTn id="10" dur="500"/>
+                                        <p:tgtEl>
+                                          <p:spTgt spid="3">
+                                            <p:txEl>
+                                              <p:pRg st="1" end="1"/>
+                                            </p:txEl>
+                                          </p:spTgt>
+                                        </p:tgtEl>
+                                      </p:cBhvr>
+                                    </p:animEffect>
+                                  </p:childTnLst>
+                                </p:cTn>
+                              </p:par>
+                              <p:par>
+                                <p:cTn id="11" presetID="10" presetClass="entr" presetSubtype="0" fill="hold" grpId="0" nodeType="withEffect">
+                                  <p:stCondLst>
+                                    <p:cond delay="0"/>
+                                  </p:stCondLst>
+                                  <p:childTnLst>
+                                    <p:set>
+                                      <p:cBhvr>
+                                        <p:cTn id="12" dur="1" fill="hold">
+                                          <p:stCondLst>
+                                            <p:cond delay="0"/>
+                                          </p:stCondLst>
+                                        </p:cTn>
+                                        <p:tgtEl>
+                                          <p:spTgt spid="3">
+                                            <p:txEl>
+                                              <p:pRg st="2" end="2"/>
+                                            </p:txEl>
+                                          </p:spTgt>
+                                        </p:tgtEl>
+                                        <p:attrNameLst>
+                                          <p:attrName>style.visibility</p:attrName>
+                                        </p:attrNameLst>
+                                      </p:cBhvr>
+                                      <p:to>
+                                        <p:strVal val="visible"/>
+                                      </p:to>
+                                    </p:set>
+                                    <p:animEffect transition="in" filter="fade">
+                                      <p:cBhvr>
+                                        <p:cTn id="13" dur="500"/>
+                                        <p:tgtEl>
+                                          <p:spTgt spid="3">
+                                            <p:txEl>
+                                              <p:pRg st="2" end="2"/>
+                                            </p:txEl>
+                                          </p:spTgt>
+                                        </p:tgtEl>
+                                      </p:cBhvr>
+                                    </p:animEffect>
+                                  </p:childTnLst>
+                                </p:cTn>
+                              </p:par>
+                              <p:par>
+                                <p:cTn id="14" presetID="10" presetClass="entr" presetSubtype="0" fill="hold" grpId="0" nodeType="withEffect">
+                                  <p:stCondLst>
+                                    <p:cond delay="0"/>
+                                  </p:stCondLst>
+                                  <p:childTnLst>
+                                    <p:set>
+                                      <p:cBhvr>
+                                        <p:cTn id="15" dur="1" fill="hold">
+                                          <p:stCondLst>
+                                            <p:cond delay="0"/>
+                                          </p:stCondLst>
+                                        </p:cTn>
+                                        <p:tgtEl>
+                                          <p:spTgt spid="3">
+                                            <p:txEl>
+                                              <p:pRg st="3" end="3"/>
+                                            </p:txEl>
+                                          </p:spTgt>
+                                        </p:tgtEl>
+                                        <p:attrNameLst>
+                                          <p:attrName>style.visibility</p:attrName>
+                                        </p:attrNameLst>
+                                      </p:cBhvr>
+                                      <p:to>
+                                        <p:strVal val="visible"/>
+                                      </p:to>
+                                    </p:set>
+                                    <p:animEffect transition="in" filter="fade">
+                                      <p:cBhvr>
+                                        <p:cTn id="16" dur="500"/>
+                                        <p:tgtEl>
+                                          <p:spTgt spid="3">
+                                            <p:txEl>
+                                              <p:pRg st="3" end="3"/>
+                                            </p:txEl>
+                                          </p:spTgt>
+                                        </p:tgtEl>
+                                      </p:cBhvr>
+                                    </p:animEffect>
+                                  </p:childTnLst>
+                                </p:cTn>
+                              </p:par>
+                            </p:childTnLst>
+                          </p:cTn>
+                        </p:par>
+                      </p:childTnLst>
+                    </p:cTn>
+                  </p:par>
+                </p:childTnLst>
+              </p:cTn>
+              <p:prevCondLst>
+                <p:cond evt="onPrev" delay="0">
+                  <p:tgtEl>
+                    <p:sldTgt/>
+                  </p:tgtEl>
+                </p:cond>
+              </p:prevCondLst>
+              <p:nextCondLst>
+                <p:cond evt="onNext" delay="0">
+                  <p:tgtEl>
+                    <p:sldTgt/>
+                  </p:tgtEl>
+                </p:cond>
+              </p:nextCondLst>
+            </p:seq>
+          </p:childTnLst>
+        </p:cTn>
+      </p:par>
+    </p:tnLst>
+    <p:bldLst>
+      <p:bldP spid="3" grpId="0" build="p"/>
+    </p:bldLst>
+  </p:timing>
 </p:sld>
 </file>
 
@@ -6416,6 +6980,272 @@
   <p:clrMapOvr>
     <a:masterClrMapping/>
   </p:clrMapOvr>
+  <p:timing>
+    <p:tnLst>
+      <p:par>
+        <p:cTn id="1" dur="indefinite" restart="never" nodeType="tmRoot">
+          <p:childTnLst>
+            <p:seq concurrent="1" nextAc="seek">
+              <p:cTn id="2" dur="indefinite" nodeType="mainSeq">
+                <p:childTnLst>
+                  <p:par>
+                    <p:cTn id="3" fill="hold">
+                      <p:stCondLst>
+                        <p:cond delay="indefinite"/>
+                      </p:stCondLst>
+                      <p:childTnLst>
+                        <p:par>
+                          <p:cTn id="4" fill="hold">
+                            <p:stCondLst>
+                              <p:cond delay="0"/>
+                            </p:stCondLst>
+                            <p:childTnLst>
+                              <p:par>
+                                <p:cTn id="5" presetID="10" presetClass="entr" presetSubtype="0" fill="hold" grpId="0" nodeType="clickEffect">
+                                  <p:stCondLst>
+                                    <p:cond delay="0"/>
+                                  </p:stCondLst>
+                                  <p:childTnLst>
+                                    <p:set>
+                                      <p:cBhvr>
+                                        <p:cTn id="6" dur="1" fill="hold">
+                                          <p:stCondLst>
+                                            <p:cond delay="0"/>
+                                          </p:stCondLst>
+                                        </p:cTn>
+                                        <p:tgtEl>
+                                          <p:spTgt spid="3">
+                                            <p:txEl>
+                                              <p:pRg st="0" end="0"/>
+                                            </p:txEl>
+                                          </p:spTgt>
+                                        </p:tgtEl>
+                                        <p:attrNameLst>
+                                          <p:attrName>style.visibility</p:attrName>
+                                        </p:attrNameLst>
+                                      </p:cBhvr>
+                                      <p:to>
+                                        <p:strVal val="visible"/>
+                                      </p:to>
+                                    </p:set>
+                                    <p:animEffect transition="in" filter="fade">
+                                      <p:cBhvr>
+                                        <p:cTn id="7" dur="500"/>
+                                        <p:tgtEl>
+                                          <p:spTgt spid="3">
+                                            <p:txEl>
+                                              <p:pRg st="0" end="0"/>
+                                            </p:txEl>
+                                          </p:spTgt>
+                                        </p:tgtEl>
+                                      </p:cBhvr>
+                                    </p:animEffect>
+                                  </p:childTnLst>
+                                </p:cTn>
+                              </p:par>
+                              <p:par>
+                                <p:cTn id="8" presetID="10" presetClass="entr" presetSubtype="0" fill="hold" grpId="0" nodeType="withEffect">
+                                  <p:stCondLst>
+                                    <p:cond delay="0"/>
+                                  </p:stCondLst>
+                                  <p:childTnLst>
+                                    <p:set>
+                                      <p:cBhvr>
+                                        <p:cTn id="9" dur="1" fill="hold">
+                                          <p:stCondLst>
+                                            <p:cond delay="0"/>
+                                          </p:stCondLst>
+                                        </p:cTn>
+                                        <p:tgtEl>
+                                          <p:spTgt spid="3">
+                                            <p:txEl>
+                                              <p:pRg st="1" end="1"/>
+                                            </p:txEl>
+                                          </p:spTgt>
+                                        </p:tgtEl>
+                                        <p:attrNameLst>
+                                          <p:attrName>style.visibility</p:attrName>
+                                        </p:attrNameLst>
+                                      </p:cBhvr>
+                                      <p:to>
+                                        <p:strVal val="visible"/>
+                                      </p:to>
+                                    </p:set>
+                                    <p:animEffect transition="in" filter="fade">
+                                      <p:cBhvr>
+                                        <p:cTn id="10" dur="500"/>
+                                        <p:tgtEl>
+                                          <p:spTgt spid="3">
+                                            <p:txEl>
+                                              <p:pRg st="1" end="1"/>
+                                            </p:txEl>
+                                          </p:spTgt>
+                                        </p:tgtEl>
+                                      </p:cBhvr>
+                                    </p:animEffect>
+                                  </p:childTnLst>
+                                </p:cTn>
+                              </p:par>
+                              <p:par>
+                                <p:cTn id="11" presetID="10" presetClass="entr" presetSubtype="0" fill="hold" grpId="0" nodeType="withEffect">
+                                  <p:stCondLst>
+                                    <p:cond delay="0"/>
+                                  </p:stCondLst>
+                                  <p:childTnLst>
+                                    <p:set>
+                                      <p:cBhvr>
+                                        <p:cTn id="12" dur="1" fill="hold">
+                                          <p:stCondLst>
+                                            <p:cond delay="0"/>
+                                          </p:stCondLst>
+                                        </p:cTn>
+                                        <p:tgtEl>
+                                          <p:spTgt spid="3">
+                                            <p:txEl>
+                                              <p:pRg st="2" end="2"/>
+                                            </p:txEl>
+                                          </p:spTgt>
+                                        </p:tgtEl>
+                                        <p:attrNameLst>
+                                          <p:attrName>style.visibility</p:attrName>
+                                        </p:attrNameLst>
+                                      </p:cBhvr>
+                                      <p:to>
+                                        <p:strVal val="visible"/>
+                                      </p:to>
+                                    </p:set>
+                                    <p:animEffect transition="in" filter="fade">
+                                      <p:cBhvr>
+                                        <p:cTn id="13" dur="500"/>
+                                        <p:tgtEl>
+                                          <p:spTgt spid="3">
+                                            <p:txEl>
+                                              <p:pRg st="2" end="2"/>
+                                            </p:txEl>
+                                          </p:spTgt>
+                                        </p:tgtEl>
+                                      </p:cBhvr>
+                                    </p:animEffect>
+                                  </p:childTnLst>
+                                </p:cTn>
+                              </p:par>
+                              <p:par>
+                                <p:cTn id="14" presetID="10" presetClass="entr" presetSubtype="0" fill="hold" grpId="0" nodeType="withEffect">
+                                  <p:stCondLst>
+                                    <p:cond delay="0"/>
+                                  </p:stCondLst>
+                                  <p:childTnLst>
+                                    <p:set>
+                                      <p:cBhvr>
+                                        <p:cTn id="15" dur="1" fill="hold">
+                                          <p:stCondLst>
+                                            <p:cond delay="0"/>
+                                          </p:stCondLst>
+                                        </p:cTn>
+                                        <p:tgtEl>
+                                          <p:spTgt spid="3">
+                                            <p:txEl>
+                                              <p:pRg st="3" end="3"/>
+                                            </p:txEl>
+                                          </p:spTgt>
+                                        </p:tgtEl>
+                                        <p:attrNameLst>
+                                          <p:attrName>style.visibility</p:attrName>
+                                        </p:attrNameLst>
+                                      </p:cBhvr>
+                                      <p:to>
+                                        <p:strVal val="visible"/>
+                                      </p:to>
+                                    </p:set>
+                                    <p:animEffect transition="in" filter="fade">
+                                      <p:cBhvr>
+                                        <p:cTn id="16" dur="500"/>
+                                        <p:tgtEl>
+                                          <p:spTgt spid="3">
+                                            <p:txEl>
+                                              <p:pRg st="3" end="3"/>
+                                            </p:txEl>
+                                          </p:spTgt>
+                                        </p:tgtEl>
+                                      </p:cBhvr>
+                                    </p:animEffect>
+                                  </p:childTnLst>
+                                </p:cTn>
+                              </p:par>
+                              <p:par>
+                                <p:cTn id="17" presetID="10" presetClass="entr" presetSubtype="0" fill="hold" grpId="0" nodeType="withEffect">
+                                  <p:stCondLst>
+                                    <p:cond delay="0"/>
+                                  </p:stCondLst>
+                                  <p:childTnLst>
+                                    <p:set>
+                                      <p:cBhvr>
+                                        <p:cTn id="18" dur="1" fill="hold">
+                                          <p:stCondLst>
+                                            <p:cond delay="0"/>
+                                          </p:stCondLst>
+                                        </p:cTn>
+                                        <p:tgtEl>
+                                          <p:spTgt spid="3">
+                                            <p:txEl>
+                                              <p:pRg st="4" end="4"/>
+                                            </p:txEl>
+                                          </p:spTgt>
+                                        </p:tgtEl>
+                                        <p:attrNameLst>
+                                          <p:attrName>style.visibility</p:attrName>
+                                        </p:attrNameLst>
+                                      </p:cBhvr>
+                                      <p:to>
+                                        <p:strVal val="visible"/>
+                                      </p:to>
+                                    </p:set>
+                                    <p:animEffect transition="in" filter="fade">
+                                      <p:cBhvr>
+                                        <p:cTn id="19" dur="500"/>
+                                        <p:tgtEl>
+                                          <p:spTgt spid="3">
+                                            <p:txEl>
+                                              <p:pRg st="4" end="4"/>
+                                            </p:txEl>
+                                          </p:spTgt>
+                                        </p:tgtEl>
+                                      </p:cBhvr>
+                                    </p:animEffect>
+                                  </p:childTnLst>
+                                </p:cTn>
+                              </p:par>
+                            </p:childTnLst>
+                          </p:cTn>
+                        </p:par>
+                      </p:childTnLst>
+                    </p:cTn>
+                  </p:par>
+                </p:childTnLst>
+              </p:cTn>
+              <p:prevCondLst>
+                <p:cond evt="onPrev" delay="0">
+                  <p:tgtEl>
+                    <p:sldTgt/>
+                  </p:tgtEl>
+                </p:cond>
+              </p:prevCondLst>
+              <p:nextCondLst>
+                <p:cond evt="onNext" delay="0">
+                  <p:tgtEl>
+                    <p:sldTgt/>
+                  </p:tgtEl>
+                </p:cond>
+              </p:nextCondLst>
+            </p:seq>
+          </p:childTnLst>
+        </p:cTn>
+      </p:par>
+    </p:tnLst>
+    <p:bldLst>
+      <p:bldP spid="3" grpId="0" build="p"/>
+    </p:bldLst>
+  </p:timing>
 </p:sld>
 </file>
 
@@ -6522,6 +7352,608 @@
   <p:clrMapOvr>
     <a:masterClrMapping/>
   </p:clrMapOvr>
+  <p:timing>
+    <p:tnLst>
+      <p:par>
+        <p:cTn id="1" dur="indefinite" restart="never" nodeType="tmRoot">
+          <p:childTnLst>
+            <p:seq concurrent="1" nextAc="seek">
+              <p:cTn id="2" dur="indefinite" nodeType="mainSeq">
+                <p:childTnLst>
+                  <p:par>
+                    <p:cTn id="3" fill="hold">
+                      <p:stCondLst>
+                        <p:cond delay="indefinite"/>
+                      </p:stCondLst>
+                      <p:childTnLst>
+                        <p:par>
+                          <p:cTn id="4" fill="hold">
+                            <p:stCondLst>
+                              <p:cond delay="0"/>
+                            </p:stCondLst>
+                            <p:childTnLst>
+                              <p:par>
+                                <p:cTn id="5" presetID="10" presetClass="entr" presetSubtype="0" fill="hold" grpId="0" nodeType="clickEffect">
+                                  <p:stCondLst>
+                                    <p:cond delay="0"/>
+                                  </p:stCondLst>
+                                  <p:childTnLst>
+                                    <p:set>
+                                      <p:cBhvr>
+                                        <p:cTn id="6" dur="1" fill="hold">
+                                          <p:stCondLst>
+                                            <p:cond delay="0"/>
+                                          </p:stCondLst>
+                                        </p:cTn>
+                                        <p:tgtEl>
+                                          <p:spTgt spid="3">
+                                            <p:txEl>
+                                              <p:pRg st="0" end="0"/>
+                                            </p:txEl>
+                                          </p:spTgt>
+                                        </p:tgtEl>
+                                        <p:attrNameLst>
+                                          <p:attrName>style.visibility</p:attrName>
+                                        </p:attrNameLst>
+                                      </p:cBhvr>
+                                      <p:to>
+                                        <p:strVal val="visible"/>
+                                      </p:to>
+                                    </p:set>
+                                    <p:animEffect transition="in" filter="fade">
+                                      <p:cBhvr>
+                                        <p:cTn id="7" dur="500"/>
+                                        <p:tgtEl>
+                                          <p:spTgt spid="3">
+                                            <p:txEl>
+                                              <p:pRg st="0" end="0"/>
+                                            </p:txEl>
+                                          </p:spTgt>
+                                        </p:tgtEl>
+                                      </p:cBhvr>
+                                    </p:animEffect>
+                                  </p:childTnLst>
+                                </p:cTn>
+                              </p:par>
+                            </p:childTnLst>
+                          </p:cTn>
+                        </p:par>
+                      </p:childTnLst>
+                    </p:cTn>
+                  </p:par>
+                  <p:par>
+                    <p:cTn id="8" fill="hold">
+                      <p:stCondLst>
+                        <p:cond delay="indefinite"/>
+                      </p:stCondLst>
+                      <p:childTnLst>
+                        <p:par>
+                          <p:cTn id="9" fill="hold">
+                            <p:stCondLst>
+                              <p:cond delay="0"/>
+                            </p:stCondLst>
+                            <p:childTnLst>
+                              <p:par>
+                                <p:cTn id="10" presetID="10" presetClass="entr" presetSubtype="0" fill="hold" grpId="0" nodeType="clickEffect">
+                                  <p:stCondLst>
+                                    <p:cond delay="0"/>
+                                  </p:stCondLst>
+                                  <p:childTnLst>
+                                    <p:set>
+                                      <p:cBhvr>
+                                        <p:cTn id="11" dur="1" fill="hold">
+                                          <p:stCondLst>
+                                            <p:cond delay="0"/>
+                                          </p:stCondLst>
+                                        </p:cTn>
+                                        <p:tgtEl>
+                                          <p:spTgt spid="3">
+                                            <p:txEl>
+                                              <p:pRg st="1" end="1"/>
+                                            </p:txEl>
+                                          </p:spTgt>
+                                        </p:tgtEl>
+                                        <p:attrNameLst>
+                                          <p:attrName>style.visibility</p:attrName>
+                                        </p:attrNameLst>
+                                      </p:cBhvr>
+                                      <p:to>
+                                        <p:strVal val="visible"/>
+                                      </p:to>
+                                    </p:set>
+                                    <p:animEffect transition="in" filter="fade">
+                                      <p:cBhvr>
+                                        <p:cTn id="12" dur="500"/>
+                                        <p:tgtEl>
+                                          <p:spTgt spid="3">
+                                            <p:txEl>
+                                              <p:pRg st="1" end="1"/>
+                                            </p:txEl>
+                                          </p:spTgt>
+                                        </p:tgtEl>
+                                      </p:cBhvr>
+                                    </p:animEffect>
+                                  </p:childTnLst>
+                                </p:cTn>
+                              </p:par>
+                            </p:childTnLst>
+                          </p:cTn>
+                        </p:par>
+                      </p:childTnLst>
+                    </p:cTn>
+                  </p:par>
+                  <p:par>
+                    <p:cTn id="13" fill="hold">
+                      <p:stCondLst>
+                        <p:cond delay="indefinite"/>
+                      </p:stCondLst>
+                      <p:childTnLst>
+                        <p:par>
+                          <p:cTn id="14" fill="hold">
+                            <p:stCondLst>
+                              <p:cond delay="0"/>
+                            </p:stCondLst>
+                            <p:childTnLst>
+                              <p:par>
+                                <p:cTn id="15" presetID="10" presetClass="entr" presetSubtype="0" fill="hold" grpId="0" nodeType="clickEffect">
+                                  <p:stCondLst>
+                                    <p:cond delay="0"/>
+                                  </p:stCondLst>
+                                  <p:childTnLst>
+                                    <p:set>
+                                      <p:cBhvr>
+                                        <p:cTn id="16" dur="1" fill="hold">
+                                          <p:stCondLst>
+                                            <p:cond delay="0"/>
+                                          </p:stCondLst>
+                                        </p:cTn>
+                                        <p:tgtEl>
+                                          <p:spTgt spid="3">
+                                            <p:txEl>
+                                              <p:pRg st="2" end="2"/>
+                                            </p:txEl>
+                                          </p:spTgt>
+                                        </p:tgtEl>
+                                        <p:attrNameLst>
+                                          <p:attrName>style.visibility</p:attrName>
+                                        </p:attrNameLst>
+                                      </p:cBhvr>
+                                      <p:to>
+                                        <p:strVal val="visible"/>
+                                      </p:to>
+                                    </p:set>
+                                    <p:animEffect transition="in" filter="fade">
+                                      <p:cBhvr>
+                                        <p:cTn id="17" dur="500"/>
+                                        <p:tgtEl>
+                                          <p:spTgt spid="3">
+                                            <p:txEl>
+                                              <p:pRg st="2" end="2"/>
+                                            </p:txEl>
+                                          </p:spTgt>
+                                        </p:tgtEl>
+                                      </p:cBhvr>
+                                    </p:animEffect>
+                                  </p:childTnLst>
+                                </p:cTn>
+                              </p:par>
+                            </p:childTnLst>
+                          </p:cTn>
+                        </p:par>
+                      </p:childTnLst>
+                    </p:cTn>
+                  </p:par>
+                </p:childTnLst>
+              </p:cTn>
+              <p:prevCondLst>
+                <p:cond evt="onPrev" delay="0">
+                  <p:tgtEl>
+                    <p:sldTgt/>
+                  </p:tgtEl>
+                </p:cond>
+              </p:prevCondLst>
+              <p:nextCondLst>
+                <p:cond evt="onNext" delay="0">
+                  <p:tgtEl>
+                    <p:sldTgt/>
+                  </p:tgtEl>
+                </p:cond>
+              </p:nextCondLst>
+            </p:seq>
+          </p:childTnLst>
+        </p:cTn>
+      </p:par>
+    </p:tnLst>
+    <p:bldLst>
+      <p:bldP spid="3" grpId="0" build="p"/>
+    </p:bldLst>
+  </p:timing>
+</p:sld>
+</file>
+
+<file path=ppt/slides/slide7.xml><?xml version="1.0" encoding="utf-8"?>
+<p:sld xmlns:a="http://schemas.openxmlformats.org/drawingml/2006/main" xmlns:r="http://schemas.openxmlformats.org/officeDocument/2006/relationships" xmlns:p="http://schemas.openxmlformats.org/presentationml/2006/main">
+  <p:cSld>
+    <p:spTree>
+      <p:nvGrpSpPr>
+        <p:cNvPr id="1" name=""/>
+        <p:cNvGrpSpPr/>
+        <p:nvPr/>
+      </p:nvGrpSpPr>
+      <p:grpSpPr>
+        <a:xfrm>
+          <a:off x="0" y="0"/>
+          <a:ext cx="0" cy="0"/>
+          <a:chOff x="0" y="0"/>
+          <a:chExt cx="0" cy="0"/>
+        </a:xfrm>
+      </p:grpSpPr>
+      <p:sp>
+        <p:nvSpPr>
+          <p:cNvPr id="2" name="Titre 1">
+            <a:extLst>
+              <a:ext uri="{FF2B5EF4-FFF2-40B4-BE49-F238E27FC236}">
+                <a16:creationId xmlns:a16="http://schemas.microsoft.com/office/drawing/2014/main" id="{6689B2A8-EFD0-483C-957D-DF8039F593FE}"/>
+              </a:ext>
+            </a:extLst>
+          </p:cNvPr>
+          <p:cNvSpPr>
+            <a:spLocks noGrp="1"/>
+          </p:cNvSpPr>
+          <p:nvPr>
+            <p:ph type="title"/>
+          </p:nvPr>
+        </p:nvSpPr>
+        <p:spPr/>
+        <p:txBody>
+          <a:bodyPr/>
+          <a:lstStyle/>
+          <a:p>
+            <a:r>
+              <a:rPr lang="fr-FR" dirty="0"/>
+              <a:t>Déroulement de la présentation</a:t>
+            </a:r>
+          </a:p>
+        </p:txBody>
+      </p:sp>
+      <p:sp>
+        <p:nvSpPr>
+          <p:cNvPr id="3" name="Espace réservé du contenu 2">
+            <a:extLst>
+              <a:ext uri="{FF2B5EF4-FFF2-40B4-BE49-F238E27FC236}">
+                <a16:creationId xmlns:a16="http://schemas.microsoft.com/office/drawing/2014/main" id="{C4243C71-CBE3-49E3-BAA3-01FCEB75ABA7}"/>
+              </a:ext>
+            </a:extLst>
+          </p:cNvPr>
+          <p:cNvSpPr>
+            <a:spLocks noGrp="1"/>
+          </p:cNvSpPr>
+          <p:nvPr>
+            <p:ph idx="1"/>
+          </p:nvPr>
+        </p:nvSpPr>
+        <p:spPr/>
+        <p:txBody>
+          <a:bodyPr/>
+          <a:lstStyle/>
+          <a:p>
+            <a:r>
+              <a:rPr lang="fr-FR" dirty="0"/>
+              <a:t>Démonstration fonctionnelle du site </a:t>
+            </a:r>
+          </a:p>
+          <a:p>
+            <a:r>
+              <a:rPr lang="fr-FR" dirty="0"/>
+              <a:t>visualisation du code sur </a:t>
+            </a:r>
+            <a:r>
+              <a:rPr lang="fr-FR" dirty="0" err="1"/>
+              <a:t>github</a:t>
+            </a:r>
+            <a:endParaRPr lang="fr-FR" dirty="0"/>
+          </a:p>
+          <a:p>
+            <a:r>
+              <a:rPr lang="fr-FR" dirty="0"/>
+              <a:t>Visualisation de la BDD</a:t>
+            </a:r>
+          </a:p>
+          <a:p>
+            <a:r>
+              <a:rPr lang="fr-FR" dirty="0"/>
+              <a:t>Visualisation du code dans éditeur de code</a:t>
+            </a:r>
+          </a:p>
+        </p:txBody>
+      </p:sp>
+    </p:spTree>
+    <p:extLst>
+      <p:ext uri="{BB962C8B-B14F-4D97-AF65-F5344CB8AC3E}">
+        <p14:creationId xmlns:p14="http://schemas.microsoft.com/office/powerpoint/2010/main" val="2226710156"/>
+      </p:ext>
+    </p:extLst>
+  </p:cSld>
+  <p:clrMapOvr>
+    <a:masterClrMapping/>
+  </p:clrMapOvr>
+  <p:timing>
+    <p:tnLst>
+      <p:par>
+        <p:cTn id="1" dur="indefinite" restart="never" nodeType="tmRoot">
+          <p:childTnLst>
+            <p:seq concurrent="1" nextAc="seek">
+              <p:cTn id="2" dur="indefinite" nodeType="mainSeq">
+                <p:childTnLst>
+                  <p:par>
+                    <p:cTn id="3" fill="hold">
+                      <p:stCondLst>
+                        <p:cond delay="indefinite"/>
+                      </p:stCondLst>
+                      <p:childTnLst>
+                        <p:par>
+                          <p:cTn id="4" fill="hold">
+                            <p:stCondLst>
+                              <p:cond delay="0"/>
+                            </p:stCondLst>
+                            <p:childTnLst>
+                              <p:par>
+                                <p:cTn id="5" presetID="10" presetClass="entr" presetSubtype="0" fill="hold" grpId="0" nodeType="clickEffect">
+                                  <p:stCondLst>
+                                    <p:cond delay="0"/>
+                                  </p:stCondLst>
+                                  <p:childTnLst>
+                                    <p:set>
+                                      <p:cBhvr>
+                                        <p:cTn id="6" dur="1" fill="hold">
+                                          <p:stCondLst>
+                                            <p:cond delay="0"/>
+                                          </p:stCondLst>
+                                        </p:cTn>
+                                        <p:tgtEl>
+                                          <p:spTgt spid="3">
+                                            <p:txEl>
+                                              <p:pRg st="0" end="0"/>
+                                            </p:txEl>
+                                          </p:spTgt>
+                                        </p:tgtEl>
+                                        <p:attrNameLst>
+                                          <p:attrName>style.visibility</p:attrName>
+                                        </p:attrNameLst>
+                                      </p:cBhvr>
+                                      <p:to>
+                                        <p:strVal val="visible"/>
+                                      </p:to>
+                                    </p:set>
+                                    <p:animEffect transition="in" filter="fade">
+                                      <p:cBhvr>
+                                        <p:cTn id="7" dur="500"/>
+                                        <p:tgtEl>
+                                          <p:spTgt spid="3">
+                                            <p:txEl>
+                                              <p:pRg st="0" end="0"/>
+                                            </p:txEl>
+                                          </p:spTgt>
+                                        </p:tgtEl>
+                                      </p:cBhvr>
+                                    </p:animEffect>
+                                  </p:childTnLst>
+                                </p:cTn>
+                              </p:par>
+                            </p:childTnLst>
+                          </p:cTn>
+                        </p:par>
+                      </p:childTnLst>
+                    </p:cTn>
+                  </p:par>
+                  <p:par>
+                    <p:cTn id="8" fill="hold">
+                      <p:stCondLst>
+                        <p:cond delay="indefinite"/>
+                      </p:stCondLst>
+                      <p:childTnLst>
+                        <p:par>
+                          <p:cTn id="9" fill="hold">
+                            <p:stCondLst>
+                              <p:cond delay="0"/>
+                            </p:stCondLst>
+                            <p:childTnLst>
+                              <p:par>
+                                <p:cTn id="10" presetID="10" presetClass="entr" presetSubtype="0" fill="hold" grpId="0" nodeType="clickEffect">
+                                  <p:stCondLst>
+                                    <p:cond delay="0"/>
+                                  </p:stCondLst>
+                                  <p:childTnLst>
+                                    <p:set>
+                                      <p:cBhvr>
+                                        <p:cTn id="11" dur="1" fill="hold">
+                                          <p:stCondLst>
+                                            <p:cond delay="0"/>
+                                          </p:stCondLst>
+                                        </p:cTn>
+                                        <p:tgtEl>
+                                          <p:spTgt spid="3">
+                                            <p:txEl>
+                                              <p:pRg st="1" end="1"/>
+                                            </p:txEl>
+                                          </p:spTgt>
+                                        </p:tgtEl>
+                                        <p:attrNameLst>
+                                          <p:attrName>style.visibility</p:attrName>
+                                        </p:attrNameLst>
+                                      </p:cBhvr>
+                                      <p:to>
+                                        <p:strVal val="visible"/>
+                                      </p:to>
+                                    </p:set>
+                                    <p:animEffect transition="in" filter="fade">
+                                      <p:cBhvr>
+                                        <p:cTn id="12" dur="500"/>
+                                        <p:tgtEl>
+                                          <p:spTgt spid="3">
+                                            <p:txEl>
+                                              <p:pRg st="1" end="1"/>
+                                            </p:txEl>
+                                          </p:spTgt>
+                                        </p:tgtEl>
+                                      </p:cBhvr>
+                                    </p:animEffect>
+                                  </p:childTnLst>
+                                </p:cTn>
+                              </p:par>
+                            </p:childTnLst>
+                          </p:cTn>
+                        </p:par>
+                      </p:childTnLst>
+                    </p:cTn>
+                  </p:par>
+                  <p:par>
+                    <p:cTn id="13" fill="hold">
+                      <p:stCondLst>
+                        <p:cond delay="indefinite"/>
+                      </p:stCondLst>
+                      <p:childTnLst>
+                        <p:par>
+                          <p:cTn id="14" fill="hold">
+                            <p:stCondLst>
+                              <p:cond delay="0"/>
+                            </p:stCondLst>
+                            <p:childTnLst>
+                              <p:par>
+                                <p:cTn id="15" presetID="10" presetClass="entr" presetSubtype="0" fill="hold" grpId="0" nodeType="clickEffect">
+                                  <p:stCondLst>
+                                    <p:cond delay="0"/>
+                                  </p:stCondLst>
+                                  <p:childTnLst>
+                                    <p:set>
+                                      <p:cBhvr>
+                                        <p:cTn id="16" dur="1" fill="hold">
+                                          <p:stCondLst>
+                                            <p:cond delay="0"/>
+                                          </p:stCondLst>
+                                        </p:cTn>
+                                        <p:tgtEl>
+                                          <p:spTgt spid="3">
+                                            <p:txEl>
+                                              <p:pRg st="2" end="2"/>
+                                            </p:txEl>
+                                          </p:spTgt>
+                                        </p:tgtEl>
+                                        <p:attrNameLst>
+                                          <p:attrName>style.visibility</p:attrName>
+                                        </p:attrNameLst>
+                                      </p:cBhvr>
+                                      <p:to>
+                                        <p:strVal val="visible"/>
+                                      </p:to>
+                                    </p:set>
+                                    <p:animEffect transition="in" filter="fade">
+                                      <p:cBhvr>
+                                        <p:cTn id="17" dur="500"/>
+                                        <p:tgtEl>
+                                          <p:spTgt spid="3">
+                                            <p:txEl>
+                                              <p:pRg st="2" end="2"/>
+                                            </p:txEl>
+                                          </p:spTgt>
+                                        </p:tgtEl>
+                                      </p:cBhvr>
+                                    </p:animEffect>
+                                  </p:childTnLst>
+                                </p:cTn>
+                              </p:par>
+                            </p:childTnLst>
+                          </p:cTn>
+                        </p:par>
+                      </p:childTnLst>
+                    </p:cTn>
+                  </p:par>
+                  <p:par>
+                    <p:cTn id="18" fill="hold">
+                      <p:stCondLst>
+                        <p:cond delay="indefinite"/>
+                      </p:stCondLst>
+                      <p:childTnLst>
+                        <p:par>
+                          <p:cTn id="19" fill="hold">
+                            <p:stCondLst>
+                              <p:cond delay="0"/>
+                            </p:stCondLst>
+                            <p:childTnLst>
+                              <p:par>
+                                <p:cTn id="20" presetID="10" presetClass="entr" presetSubtype="0" fill="hold" grpId="0" nodeType="clickEffect">
+                                  <p:stCondLst>
+                                    <p:cond delay="0"/>
+                                  </p:stCondLst>
+                                  <p:childTnLst>
+                                    <p:set>
+                                      <p:cBhvr>
+                                        <p:cTn id="21" dur="1" fill="hold">
+                                          <p:stCondLst>
+                                            <p:cond delay="0"/>
+                                          </p:stCondLst>
+                                        </p:cTn>
+                                        <p:tgtEl>
+                                          <p:spTgt spid="3">
+                                            <p:txEl>
+                                              <p:pRg st="3" end="3"/>
+                                            </p:txEl>
+                                          </p:spTgt>
+                                        </p:tgtEl>
+                                        <p:attrNameLst>
+                                          <p:attrName>style.visibility</p:attrName>
+                                        </p:attrNameLst>
+                                      </p:cBhvr>
+                                      <p:to>
+                                        <p:strVal val="visible"/>
+                                      </p:to>
+                                    </p:set>
+                                    <p:animEffect transition="in" filter="fade">
+                                      <p:cBhvr>
+                                        <p:cTn id="22" dur="500"/>
+                                        <p:tgtEl>
+                                          <p:spTgt spid="3">
+                                            <p:txEl>
+                                              <p:pRg st="3" end="3"/>
+                                            </p:txEl>
+                                          </p:spTgt>
+                                        </p:tgtEl>
+                                      </p:cBhvr>
+                                    </p:animEffect>
+                                  </p:childTnLst>
+                                </p:cTn>
+                              </p:par>
+                            </p:childTnLst>
+                          </p:cTn>
+                        </p:par>
+                      </p:childTnLst>
+                    </p:cTn>
+                  </p:par>
+                </p:childTnLst>
+              </p:cTn>
+              <p:prevCondLst>
+                <p:cond evt="onPrev" delay="0">
+                  <p:tgtEl>
+                    <p:sldTgt/>
+                  </p:tgtEl>
+                </p:cond>
+              </p:prevCondLst>
+              <p:nextCondLst>
+                <p:cond evt="onNext" delay="0">
+                  <p:tgtEl>
+                    <p:sldTgt/>
+                  </p:tgtEl>
+                </p:cond>
+              </p:nextCondLst>
+            </p:seq>
+          </p:childTnLst>
+        </p:cTn>
+      </p:par>
+    </p:tnLst>
+    <p:bldLst>
+      <p:bldP spid="3" grpId="0" build="p"/>
+    </p:bldLst>
+  </p:timing>
 </p:sld>
 </file>
 
